--- a/PPT/week4.pptx
+++ b/PPT/week4.pptx
@@ -3056,13 +3056,6 @@
               </a:rPr>
               <a:t>자율 탐사 로봇 원리</a:t>
             </a:r>
-            <a:endParaRPr lang="ko-KR" altLang="en-US" sz="2000" kern="0" dirty="0" smtClean="0">
-              <a:solidFill>
-                <a:srgbClr val="000000"/>
-              </a:solidFill>
-              <a:latin typeface="맑은 고딕" panose="020B0503020000020004" pitchFamily="50" charset="-127"/>
-              <a:ea typeface="맑은 고딕" panose="020B0503020000020004" pitchFamily="50" charset="-127"/>
-            </a:endParaRPr>
           </a:p>
         </p:txBody>
       </p:sp>
@@ -3203,15 +3196,15 @@
               <a:defRPr/>
             </a:pPr>
             <a:r>
-              <a:rPr lang="en-US" altLang="ko-KR" sz="2800" i="1" kern="0" dirty="0" smtClean="0">
+              <a:rPr lang="ko-KR" altLang="en-US" sz="2800" i="1" kern="0" dirty="0" err="1" smtClean="0">
                 <a:solidFill>
                   <a:schemeClr val="tx1"/>
                 </a:solidFill>
-                <a:latin typeface="Arial Narrow" pitchFamily="34" charset="0"/>
-                <a:ea typeface="+mj-ea"/>
+                <a:latin typeface="맑은 고딕" panose="020B0503020000020004" pitchFamily="50" charset="-127"/>
+                <a:ea typeface="맑은 고딕" panose="020B0503020000020004" pitchFamily="50" charset="-127"/>
                 <a:cs typeface="+mj-cs"/>
               </a:rPr>
-              <a:t>Template - Title</a:t>
+              <a:t>ㅁ</a:t>
             </a:r>
             <a:endParaRPr kumimoji="0" lang="ko-KR" altLang="en-US" sz="2800" i="1" u="none" strike="noStrike" kern="0" cap="none" spc="0" normalizeH="0" baseline="0" noProof="0" dirty="0">
               <a:ln>
@@ -3223,8 +3216,8 @@
               <a:effectLst/>
               <a:uLnTx/>
               <a:uFillTx/>
-              <a:latin typeface="Arial Narrow" pitchFamily="34" charset="0"/>
-              <a:ea typeface="+mj-ea"/>
+              <a:latin typeface="맑은 고딕" panose="020B0503020000020004" pitchFamily="50" charset="-127"/>
+              <a:ea typeface="맑은 고딕" panose="020B0503020000020004" pitchFamily="50" charset="-127"/>
               <a:cs typeface="+mj-cs"/>
             </a:endParaRPr>
           </a:p>

--- a/PPT/week4.pptx
+++ b/PPT/week4.pptx
@@ -2233,7 +2233,11 @@
           <a:p>
             <a:r>
               <a:rPr lang="en-US" dirty="0" smtClean="0"/>
-              <a:t>week X – Fundamentals of Robot</a:t>
+              <a:t>week 4 – </a:t>
+            </a:r>
+            <a:r>
+              <a:rPr lang="en-US" dirty="0" smtClean="0"/>
+              <a:t>Fundamentals of Robot</a:t>
             </a:r>
             <a:endParaRPr lang="en-US" dirty="0"/>
           </a:p>
@@ -2358,217 +2362,173 @@
           <a:p>
             <a:r>
               <a:rPr lang="en-US" altLang="ko-KR" dirty="0"/>
-              <a:t>week X – Fundamentals of Robot</a:t>
+              <a:t>week 4 – Fundamentals of Robot</a:t>
             </a:r>
+            <a:endParaRPr lang="en-US" altLang="ko-KR" dirty="0"/>
           </a:p>
         </p:txBody>
       </p:sp>
-      <p:sp>
-        <p:nvSpPr>
-          <p:cNvPr id="4" name="TextBox 3"/>
-          <p:cNvSpPr txBox="1"/>
+      <p:grpSp>
+        <p:nvGrpSpPr>
+          <p:cNvPr id="9" name="Group 8"/>
+          <p:cNvGrpSpPr/>
           <p:nvPr/>
-        </p:nvSpPr>
-        <p:spPr bwMode="auto">
+        </p:nvGrpSpPr>
+        <p:grpSpPr>
           <a:xfrm>
-            <a:off x="0" y="532745"/>
-            <a:ext cx="2507418" cy="461665"/>
+            <a:off x="0" y="1623385"/>
+            <a:ext cx="2720073" cy="886701"/>
+            <a:chOff x="0" y="1383771"/>
+            <a:chExt cx="2720073" cy="886701"/>
           </a:xfrm>
-          <a:prstGeom prst="rect">
-            <a:avLst/>
-          </a:prstGeom>
-          <a:noFill/>
-          <a:ln w="9525">
+        </p:grpSpPr>
+        <p:sp>
+          <p:nvSpPr>
+            <p:cNvPr id="4" name="TextBox 3"/>
+            <p:cNvSpPr txBox="1"/>
+            <p:nvPr/>
+          </p:nvSpPr>
+          <p:spPr bwMode="auto">
+            <a:xfrm>
+              <a:off x="0" y="1383771"/>
+              <a:ext cx="2507418" cy="461665"/>
+            </a:xfrm>
+            <a:prstGeom prst="rect">
+              <a:avLst/>
+            </a:prstGeom>
             <a:noFill/>
-            <a:miter lim="800000"/>
-            <a:headEnd/>
-            <a:tailEnd/>
-          </a:ln>
-        </p:spPr>
-        <p:txBody>
-          <a:bodyPr vert="horz" wrap="none" lIns="91440" tIns="45720" rIns="91440" bIns="45720" numCol="1" rtlCol="0" anchor="t" anchorCtr="0" compatLnSpc="1">
-            <a:prstTxWarp prst="textNoShape">
+            <a:ln w="9525">
+              <a:noFill/>
+              <a:miter lim="800000"/>
+              <a:headEnd/>
+              <a:tailEnd/>
+            </a:ln>
+          </p:spPr>
+          <p:txBody>
+            <a:bodyPr vert="horz" wrap="none" lIns="91440" tIns="45720" rIns="91440" bIns="45720" numCol="1" rtlCol="0" anchor="t" anchorCtr="0" compatLnSpc="1">
+              <a:prstTxWarp prst="textNoShape">
+                <a:avLst/>
+              </a:prstTxWarp>
+              <a:spAutoFit/>
+            </a:bodyPr>
+            <a:lstStyle/>
+            <a:p>
+              <a:pPr marL="0" algn="l">
+                <a:spcBef>
+                  <a:spcPct val="20000"/>
+                </a:spcBef>
+                <a:buClr>
+                  <a:srgbClr val="9999CC"/>
+                </a:buClr>
+                <a:buSzPct val="80000"/>
+              </a:pPr>
+              <a:r>
+                <a:rPr lang="en-US" altLang="ko-KR" sz="2400" kern="0" dirty="0">
+                  <a:solidFill>
+                    <a:srgbClr val="000000"/>
+                  </a:solidFill>
+                  <a:latin typeface="맑은 고딕" panose="020B0503020000020004" pitchFamily="50" charset="-127"/>
+                  <a:ea typeface="맑은 고딕" panose="020B0503020000020004" pitchFamily="50" charset="-127"/>
+                </a:rPr>
+                <a:t>2</a:t>
+              </a:r>
+              <a:r>
+                <a:rPr lang="en-US" altLang="ko-KR" sz="2400" kern="0" dirty="0" smtClean="0">
+                  <a:solidFill>
+                    <a:srgbClr val="000000"/>
+                  </a:solidFill>
+                  <a:latin typeface="맑은 고딕" panose="020B0503020000020004" pitchFamily="50" charset="-127"/>
+                  <a:ea typeface="맑은 고딕" panose="020B0503020000020004" pitchFamily="50" charset="-127"/>
+                </a:rPr>
+                <a:t>. </a:t>
+              </a:r>
+              <a:r>
+                <a:rPr lang="ko-KR" altLang="en-US" sz="2400" kern="0" dirty="0" smtClean="0">
+                  <a:solidFill>
+                    <a:srgbClr val="000000"/>
+                  </a:solidFill>
+                  <a:latin typeface="맑은 고딕" panose="020B0503020000020004" pitchFamily="50" charset="-127"/>
+                  <a:ea typeface="맑은 고딕" panose="020B0503020000020004" pitchFamily="50" charset="-127"/>
+                </a:rPr>
+                <a:t>아두이노 통신</a:t>
+              </a:r>
+            </a:p>
+          </p:txBody>
+        </p:sp>
+        <p:sp>
+          <p:nvSpPr>
+            <p:cNvPr id="5" name="TextBox 4"/>
+            <p:cNvSpPr txBox="1"/>
+            <p:nvPr/>
+          </p:nvSpPr>
+          <p:spPr bwMode="auto">
+            <a:xfrm>
+              <a:off x="451503" y="1870362"/>
+              <a:ext cx="2268570" cy="400110"/>
+            </a:xfrm>
+            <a:prstGeom prst="rect">
               <a:avLst/>
-            </a:prstTxWarp>
-            <a:spAutoFit/>
-          </a:bodyPr>
-          <a:lstStyle/>
-          <a:p>
-            <a:pPr marL="0" algn="l">
-              <a:spcBef>
-                <a:spcPct val="20000"/>
-              </a:spcBef>
-              <a:buClr>
-                <a:srgbClr val="9999CC"/>
-              </a:buClr>
-              <a:buSzPct val="80000"/>
-            </a:pPr>
-            <a:r>
-              <a:rPr lang="en-US" altLang="ko-KR" sz="2400" kern="0" dirty="0" smtClean="0">
-                <a:solidFill>
-                  <a:srgbClr val="000000"/>
-                </a:solidFill>
-                <a:latin typeface="맑은 고딕" panose="020B0503020000020004" pitchFamily="50" charset="-127"/>
-                <a:ea typeface="맑은 고딕" panose="020B0503020000020004" pitchFamily="50" charset="-127"/>
-              </a:rPr>
-              <a:t>1. </a:t>
-            </a:r>
-            <a:r>
-              <a:rPr lang="ko-KR" altLang="en-US" sz="2400" kern="0" dirty="0" smtClean="0">
-                <a:solidFill>
-                  <a:srgbClr val="000000"/>
-                </a:solidFill>
-                <a:latin typeface="맑은 고딕" panose="020B0503020000020004" pitchFamily="50" charset="-127"/>
-                <a:ea typeface="맑은 고딕" panose="020B0503020000020004" pitchFamily="50" charset="-127"/>
-              </a:rPr>
-              <a:t>아두이노 통신</a:t>
-            </a:r>
-          </a:p>
-        </p:txBody>
-      </p:sp>
-      <p:sp>
-        <p:nvSpPr>
-          <p:cNvPr id="5" name="TextBox 4"/>
-          <p:cNvSpPr txBox="1"/>
-          <p:nvPr/>
-        </p:nvSpPr>
-        <p:spPr bwMode="auto">
-          <a:xfrm>
-            <a:off x="451503" y="1019336"/>
-            <a:ext cx="2268570" cy="400110"/>
-          </a:xfrm>
-          <a:prstGeom prst="rect">
-            <a:avLst/>
-          </a:prstGeom>
-          <a:noFill/>
-          <a:ln w="9525">
+            </a:prstGeom>
             <a:noFill/>
-            <a:miter lim="800000"/>
-            <a:headEnd/>
-            <a:tailEnd/>
-          </a:ln>
-        </p:spPr>
-        <p:txBody>
-          <a:bodyPr vert="horz" wrap="none" lIns="91440" tIns="45720" rIns="91440" bIns="45720" numCol="1" rtlCol="0" anchor="t" anchorCtr="0" compatLnSpc="1">
-            <a:prstTxWarp prst="textNoShape">
-              <a:avLst/>
-            </a:prstTxWarp>
-            <a:spAutoFit/>
-          </a:bodyPr>
-          <a:lstStyle/>
-          <a:p>
-            <a:pPr marL="0" algn="l">
-              <a:spcBef>
-                <a:spcPct val="20000"/>
-              </a:spcBef>
-              <a:buClr>
-                <a:srgbClr val="9999CC"/>
-              </a:buClr>
-              <a:buSzPct val="80000"/>
-            </a:pPr>
-            <a:r>
-              <a:rPr lang="en-US" altLang="ko-KR" sz="2000" kern="0" dirty="0" smtClean="0">
-                <a:solidFill>
-                  <a:srgbClr val="000000"/>
-                </a:solidFill>
-                <a:latin typeface="맑은 고딕" panose="020B0503020000020004" pitchFamily="50" charset="-127"/>
-                <a:ea typeface="맑은 고딕" panose="020B0503020000020004" pitchFamily="50" charset="-127"/>
-              </a:rPr>
-              <a:t>1.1 </a:t>
-            </a:r>
-            <a:r>
-              <a:rPr lang="ko-KR" altLang="en-US" sz="2000" kern="0" dirty="0" smtClean="0">
-                <a:solidFill>
-                  <a:srgbClr val="000000"/>
-                </a:solidFill>
-                <a:latin typeface="맑은 고딕" panose="020B0503020000020004" pitchFamily="50" charset="-127"/>
-                <a:ea typeface="맑은 고딕" panose="020B0503020000020004" pitchFamily="50" charset="-127"/>
-              </a:rPr>
-              <a:t>블루투스 통신</a:t>
-            </a:r>
-          </a:p>
-        </p:txBody>
-      </p:sp>
-      <p:sp>
-        <p:nvSpPr>
-          <p:cNvPr id="6" name="TextBox 5"/>
-          <p:cNvSpPr txBox="1"/>
-          <p:nvPr/>
-        </p:nvSpPr>
-        <p:spPr bwMode="auto">
-          <a:xfrm>
-            <a:off x="451503" y="2147651"/>
-            <a:ext cx="2419252" cy="400110"/>
-          </a:xfrm>
-          <a:prstGeom prst="rect">
-            <a:avLst/>
-          </a:prstGeom>
-          <a:noFill/>
-          <a:ln w="9525">
-            <a:noFill/>
-            <a:miter lim="800000"/>
-            <a:headEnd/>
-            <a:tailEnd/>
-          </a:ln>
-        </p:spPr>
-        <p:txBody>
-          <a:bodyPr vert="horz" wrap="none" lIns="91440" tIns="45720" rIns="91440" bIns="45720" numCol="1" rtlCol="0" anchor="t" anchorCtr="0" compatLnSpc="1">
-            <a:prstTxWarp prst="textNoShape">
-              <a:avLst/>
-            </a:prstTxWarp>
-            <a:spAutoFit/>
-          </a:bodyPr>
-          <a:lstStyle/>
-          <a:p>
-            <a:pPr marL="0" algn="l">
-              <a:spcBef>
-                <a:spcPct val="20000"/>
-              </a:spcBef>
-              <a:buClr>
-                <a:srgbClr val="9999CC"/>
-              </a:buClr>
-              <a:buSzPct val="80000"/>
-            </a:pPr>
-            <a:r>
-              <a:rPr lang="en-US" altLang="ko-KR" sz="2000" kern="0" dirty="0" smtClean="0">
-                <a:solidFill>
-                  <a:srgbClr val="000000"/>
-                </a:solidFill>
-                <a:latin typeface="맑은 고딕" panose="020B0503020000020004" pitchFamily="50" charset="-127"/>
-                <a:ea typeface="맑은 고딕" panose="020B0503020000020004" pitchFamily="50" charset="-127"/>
-              </a:rPr>
-              <a:t>2.1 </a:t>
-            </a:r>
-            <a:r>
-              <a:rPr lang="en-US" altLang="ko-KR" sz="2000" kern="0" dirty="0">
-                <a:solidFill>
-                  <a:srgbClr val="000000"/>
-                </a:solidFill>
-                <a:latin typeface="맑은 고딕" panose="020B0503020000020004" pitchFamily="50" charset="-127"/>
-                <a:ea typeface="맑은 고딕" panose="020B0503020000020004" pitchFamily="50" charset="-127"/>
-              </a:rPr>
-              <a:t>PWM</a:t>
-            </a:r>
-            <a:r>
-              <a:rPr lang="ko-KR" altLang="en-US" sz="2000" kern="0" dirty="0">
-                <a:solidFill>
-                  <a:srgbClr val="000000"/>
-                </a:solidFill>
-                <a:latin typeface="맑은 고딕" panose="020B0503020000020004" pitchFamily="50" charset="-127"/>
-                <a:ea typeface="맑은 고딕" panose="020B0503020000020004" pitchFamily="50" charset="-127"/>
-              </a:rPr>
-              <a:t>으로 제어</a:t>
-            </a:r>
-            <a:endParaRPr lang="ko-KR" altLang="en-US" sz="2000" kern="0" dirty="0" smtClean="0">
-              <a:solidFill>
-                <a:srgbClr val="000000"/>
-              </a:solidFill>
-              <a:latin typeface="맑은 고딕" panose="020B0503020000020004" pitchFamily="50" charset="-127"/>
-              <a:ea typeface="맑은 고딕" panose="020B0503020000020004" pitchFamily="50" charset="-127"/>
-            </a:endParaRPr>
-          </a:p>
-        </p:txBody>
-      </p:sp>
+            <a:ln w="9525">
+              <a:noFill/>
+              <a:miter lim="800000"/>
+              <a:headEnd/>
+              <a:tailEnd/>
+            </a:ln>
+          </p:spPr>
+          <p:txBody>
+            <a:bodyPr vert="horz" wrap="none" lIns="91440" tIns="45720" rIns="91440" bIns="45720" numCol="1" rtlCol="0" anchor="t" anchorCtr="0" compatLnSpc="1">
+              <a:prstTxWarp prst="textNoShape">
+                <a:avLst/>
+              </a:prstTxWarp>
+              <a:spAutoFit/>
+            </a:bodyPr>
+            <a:lstStyle/>
+            <a:p>
+              <a:pPr marL="0" algn="l">
+                <a:spcBef>
+                  <a:spcPct val="20000"/>
+                </a:spcBef>
+                <a:buClr>
+                  <a:srgbClr val="9999CC"/>
+                </a:buClr>
+                <a:buSzPct val="80000"/>
+              </a:pPr>
+              <a:r>
+                <a:rPr lang="en-US" altLang="ko-KR" sz="2000" kern="0" dirty="0">
+                  <a:solidFill>
+                    <a:srgbClr val="000000"/>
+                  </a:solidFill>
+                  <a:latin typeface="맑은 고딕" panose="020B0503020000020004" pitchFamily="50" charset="-127"/>
+                  <a:ea typeface="맑은 고딕" panose="020B0503020000020004" pitchFamily="50" charset="-127"/>
+                </a:rPr>
+                <a:t>2</a:t>
+              </a:r>
+              <a:r>
+                <a:rPr lang="en-US" altLang="ko-KR" sz="2000" kern="0" dirty="0" smtClean="0">
+                  <a:solidFill>
+                    <a:srgbClr val="000000"/>
+                  </a:solidFill>
+                  <a:latin typeface="맑은 고딕" panose="020B0503020000020004" pitchFamily="50" charset="-127"/>
+                  <a:ea typeface="맑은 고딕" panose="020B0503020000020004" pitchFamily="50" charset="-127"/>
+                </a:rPr>
+                <a:t>.1 </a:t>
+              </a:r>
+              <a:r>
+                <a:rPr lang="ko-KR" altLang="en-US" sz="2000" kern="0" dirty="0" smtClean="0">
+                  <a:solidFill>
+                    <a:srgbClr val="000000"/>
+                  </a:solidFill>
+                  <a:latin typeface="맑은 고딕" panose="020B0503020000020004" pitchFamily="50" charset="-127"/>
+                  <a:ea typeface="맑은 고딕" panose="020B0503020000020004" pitchFamily="50" charset="-127"/>
+                </a:rPr>
+                <a:t>블루투스 통신</a:t>
+              </a:r>
+            </a:p>
+          </p:txBody>
+        </p:sp>
+      </p:grpSp>
       <p:sp>
         <p:nvSpPr>
           <p:cNvPr id="7" name="Title 4"/>
@@ -2617,86 +2577,6 @@
       </p:sp>
       <p:sp>
         <p:nvSpPr>
-          <p:cNvPr id="13" name="TextBox 12"/>
-          <p:cNvSpPr txBox="1"/>
-          <p:nvPr/>
-        </p:nvSpPr>
-        <p:spPr bwMode="auto">
-          <a:xfrm>
-            <a:off x="0" y="1696957"/>
-            <a:ext cx="2507418" cy="461665"/>
-          </a:xfrm>
-          <a:prstGeom prst="rect">
-            <a:avLst/>
-          </a:prstGeom>
-          <a:noFill/>
-          <a:ln w="9525">
-            <a:noFill/>
-            <a:miter lim="800000"/>
-            <a:headEnd/>
-            <a:tailEnd/>
-          </a:ln>
-        </p:spPr>
-        <p:txBody>
-          <a:bodyPr vert="horz" wrap="none" lIns="91440" tIns="45720" rIns="91440" bIns="45720" numCol="1" rtlCol="0" anchor="t" anchorCtr="0" compatLnSpc="1">
-            <a:prstTxWarp prst="textNoShape">
-              <a:avLst/>
-            </a:prstTxWarp>
-            <a:spAutoFit/>
-          </a:bodyPr>
-          <a:lstStyle/>
-          <a:p>
-            <a:pPr marL="0" algn="l">
-              <a:spcBef>
-                <a:spcPct val="20000"/>
-              </a:spcBef>
-              <a:buClr>
-                <a:srgbClr val="9999CC"/>
-              </a:buClr>
-              <a:buSzPct val="80000"/>
-            </a:pPr>
-            <a:r>
-              <a:rPr lang="en-US" altLang="ko-KR" sz="2400" kern="0" dirty="0">
-                <a:solidFill>
-                  <a:srgbClr val="000000"/>
-                </a:solidFill>
-                <a:latin typeface="맑은 고딕" panose="020B0503020000020004" pitchFamily="50" charset="-127"/>
-                <a:ea typeface="맑은 고딕" panose="020B0503020000020004" pitchFamily="50" charset="-127"/>
-              </a:rPr>
-              <a:t>2</a:t>
-            </a:r>
-            <a:r>
-              <a:rPr lang="en-US" altLang="ko-KR" sz="2400" kern="0" dirty="0" smtClean="0">
-                <a:solidFill>
-                  <a:srgbClr val="000000"/>
-                </a:solidFill>
-                <a:latin typeface="맑은 고딕" panose="020B0503020000020004" pitchFamily="50" charset="-127"/>
-                <a:ea typeface="맑은 고딕" panose="020B0503020000020004" pitchFamily="50" charset="-127"/>
-              </a:rPr>
-              <a:t>. </a:t>
-            </a:r>
-            <a:r>
-              <a:rPr lang="ko-KR" altLang="en-US" sz="2400" kern="0" dirty="0" smtClean="0">
-                <a:solidFill>
-                  <a:srgbClr val="000000"/>
-                </a:solidFill>
-                <a:latin typeface="맑은 고딕" panose="020B0503020000020004" pitchFamily="50" charset="-127"/>
-                <a:ea typeface="맑은 고딕" panose="020B0503020000020004" pitchFamily="50" charset="-127"/>
-              </a:rPr>
-              <a:t>서보모터 제어</a:t>
-            </a:r>
-            <a:endParaRPr lang="ko-KR" altLang="en-US" sz="2400" kern="0" dirty="0">
-              <a:solidFill>
-                <a:srgbClr val="000000"/>
-              </a:solidFill>
-              <a:latin typeface="맑은 고딕" panose="020B0503020000020004" pitchFamily="50" charset="-127"/>
-              <a:ea typeface="맑은 고딕" panose="020B0503020000020004" pitchFamily="50" charset="-127"/>
-            </a:endParaRPr>
-          </a:p>
-        </p:txBody>
-      </p:sp>
-      <p:sp>
-        <p:nvSpPr>
           <p:cNvPr id="15" name="Date Placeholder 3"/>
           <p:cNvSpPr>
             <a:spLocks noGrp="1"/>
@@ -2726,419 +2606,789 @@
           </a:p>
         </p:txBody>
       </p:sp>
-      <p:sp>
-        <p:nvSpPr>
-          <p:cNvPr id="18" name="TextBox 17"/>
-          <p:cNvSpPr txBox="1"/>
+      <p:grpSp>
+        <p:nvGrpSpPr>
+          <p:cNvPr id="11" name="Group 10"/>
+          <p:cNvGrpSpPr/>
           <p:nvPr/>
-        </p:nvSpPr>
-        <p:spPr bwMode="auto">
+        </p:nvGrpSpPr>
+        <p:grpSpPr>
           <a:xfrm>
-            <a:off x="0" y="3269921"/>
-            <a:ext cx="6269665" cy="461665"/>
+            <a:off x="0" y="4277069"/>
+            <a:ext cx="6269665" cy="886701"/>
+            <a:chOff x="0" y="4120947"/>
+            <a:chExt cx="6269665" cy="886701"/>
           </a:xfrm>
-          <a:prstGeom prst="rect">
-            <a:avLst/>
-          </a:prstGeom>
-          <a:noFill/>
-          <a:ln w="9525">
+        </p:grpSpPr>
+        <p:sp>
+          <p:nvSpPr>
+            <p:cNvPr id="18" name="TextBox 17"/>
+            <p:cNvSpPr txBox="1"/>
+            <p:nvPr/>
+          </p:nvSpPr>
+          <p:spPr bwMode="auto">
+            <a:xfrm>
+              <a:off x="0" y="4120947"/>
+              <a:ext cx="6269665" cy="461665"/>
+            </a:xfrm>
+            <a:prstGeom prst="rect">
+              <a:avLst/>
+            </a:prstGeom>
             <a:noFill/>
-            <a:miter lim="800000"/>
-            <a:headEnd/>
-            <a:tailEnd/>
-          </a:ln>
-        </p:spPr>
-        <p:txBody>
-          <a:bodyPr vert="horz" wrap="none" lIns="91440" tIns="45720" rIns="91440" bIns="45720" numCol="1" rtlCol="0" anchor="t" anchorCtr="0" compatLnSpc="1">
-            <a:prstTxWarp prst="textNoShape">
-              <a:avLst/>
-            </a:prstTxWarp>
-            <a:spAutoFit/>
-          </a:bodyPr>
-          <a:lstStyle/>
-          <a:p>
-            <a:pPr marL="0" algn="l">
-              <a:spcBef>
-                <a:spcPct val="20000"/>
-              </a:spcBef>
-              <a:buClr>
-                <a:srgbClr val="9999CC"/>
-              </a:buClr>
-              <a:buSzPct val="80000"/>
-            </a:pPr>
-            <a:r>
-              <a:rPr lang="en-US" altLang="ko-KR" sz="2400" kern="0" dirty="0">
+            <a:ln w="9525">
+              <a:noFill/>
+              <a:miter lim="800000"/>
+              <a:headEnd/>
+              <a:tailEnd/>
+            </a:ln>
+          </p:spPr>
+          <p:txBody>
+            <a:bodyPr vert="horz" wrap="none" lIns="91440" tIns="45720" rIns="91440" bIns="45720" numCol="1" rtlCol="0" anchor="t" anchorCtr="0" compatLnSpc="1">
+              <a:prstTxWarp prst="textNoShape">
+                <a:avLst/>
+              </a:prstTxWarp>
+              <a:spAutoFit/>
+            </a:bodyPr>
+            <a:lstStyle/>
+            <a:p>
+              <a:pPr marL="0" algn="l">
+                <a:spcBef>
+                  <a:spcPct val="20000"/>
+                </a:spcBef>
+                <a:buClr>
+                  <a:srgbClr val="9999CC"/>
+                </a:buClr>
+                <a:buSzPct val="80000"/>
+              </a:pPr>
+              <a:r>
+                <a:rPr lang="en-US" altLang="ko-KR" sz="2400" kern="0" dirty="0">
+                  <a:solidFill>
+                    <a:srgbClr val="000000"/>
+                  </a:solidFill>
+                  <a:latin typeface="맑은 고딕" panose="020B0503020000020004" pitchFamily="50" charset="-127"/>
+                  <a:ea typeface="맑은 고딕" panose="020B0503020000020004" pitchFamily="50" charset="-127"/>
+                </a:rPr>
+                <a:t>4</a:t>
+              </a:r>
+              <a:r>
+                <a:rPr lang="en-US" altLang="ko-KR" sz="2400" kern="0" dirty="0" smtClean="0">
+                  <a:solidFill>
+                    <a:srgbClr val="000000"/>
+                  </a:solidFill>
+                  <a:latin typeface="맑은 고딕" panose="020B0503020000020004" pitchFamily="50" charset="-127"/>
+                  <a:ea typeface="맑은 고딕" panose="020B0503020000020004" pitchFamily="50" charset="-127"/>
+                </a:rPr>
+                <a:t>. </a:t>
+              </a:r>
+              <a:r>
+                <a:rPr lang="ko-KR" altLang="en-US" sz="2400" kern="0" dirty="0" smtClean="0">
+                  <a:solidFill>
+                    <a:srgbClr val="000000"/>
+                  </a:solidFill>
+                  <a:latin typeface="맑은 고딕" panose="020B0503020000020004" pitchFamily="50" charset="-127"/>
+                  <a:ea typeface="맑은 고딕" panose="020B0503020000020004" pitchFamily="50" charset="-127"/>
+                </a:rPr>
+                <a:t>지금까지 배운 걸로 무엇을 할 수 있을까</a:t>
+              </a:r>
+              <a:r>
+                <a:rPr lang="en-US" altLang="ko-KR" sz="2400" kern="0" dirty="0" smtClean="0">
+                  <a:solidFill>
+                    <a:srgbClr val="000000"/>
+                  </a:solidFill>
+                  <a:latin typeface="맑은 고딕" panose="020B0503020000020004" pitchFamily="50" charset="-127"/>
+                  <a:ea typeface="맑은 고딕" panose="020B0503020000020004" pitchFamily="50" charset="-127"/>
+                </a:rPr>
+                <a:t>?</a:t>
+              </a:r>
+              <a:endParaRPr lang="ko-KR" altLang="en-US" sz="2400" kern="0" dirty="0">
                 <a:solidFill>
                   <a:srgbClr val="000000"/>
                 </a:solidFill>
                 <a:latin typeface="맑은 고딕" panose="020B0503020000020004" pitchFamily="50" charset="-127"/>
                 <a:ea typeface="맑은 고딕" panose="020B0503020000020004" pitchFamily="50" charset="-127"/>
-              </a:rPr>
-              <a:t>3</a:t>
-            </a:r>
-            <a:r>
-              <a:rPr lang="en-US" altLang="ko-KR" sz="2400" kern="0" dirty="0" smtClean="0">
+              </a:endParaRPr>
+            </a:p>
+          </p:txBody>
+        </p:sp>
+        <p:sp>
+          <p:nvSpPr>
+            <p:cNvPr id="19" name="TextBox 18"/>
+            <p:cNvSpPr txBox="1"/>
+            <p:nvPr/>
+          </p:nvSpPr>
+          <p:spPr bwMode="auto">
+            <a:xfrm>
+              <a:off x="451503" y="4607538"/>
+              <a:ext cx="2871299" cy="400110"/>
+            </a:xfrm>
+            <a:prstGeom prst="rect">
+              <a:avLst/>
+            </a:prstGeom>
+            <a:noFill/>
+            <a:ln w="9525">
+              <a:noFill/>
+              <a:miter lim="800000"/>
+              <a:headEnd/>
+              <a:tailEnd/>
+            </a:ln>
+          </p:spPr>
+          <p:txBody>
+            <a:bodyPr vert="horz" wrap="none" lIns="91440" tIns="45720" rIns="91440" bIns="45720" numCol="1" rtlCol="0" anchor="t" anchorCtr="0" compatLnSpc="1">
+              <a:prstTxWarp prst="textNoShape">
+                <a:avLst/>
+              </a:prstTxWarp>
+              <a:spAutoFit/>
+            </a:bodyPr>
+            <a:lstStyle/>
+            <a:p>
+              <a:pPr algn="l">
+                <a:spcBef>
+                  <a:spcPct val="20000"/>
+                </a:spcBef>
+                <a:buClr>
+                  <a:srgbClr val="9999CC"/>
+                </a:buClr>
+                <a:buSzPct val="80000"/>
+              </a:pPr>
+              <a:r>
+                <a:rPr lang="en-US" altLang="ko-KR" sz="2000" kern="0" dirty="0" smtClean="0">
+                  <a:solidFill>
+                    <a:srgbClr val="000000"/>
+                  </a:solidFill>
+                  <a:latin typeface="맑은 고딕" panose="020B0503020000020004" pitchFamily="50" charset="-127"/>
+                  <a:ea typeface="맑은 고딕" panose="020B0503020000020004" pitchFamily="50" charset="-127"/>
+                </a:rPr>
+                <a:t>4.1 </a:t>
+              </a:r>
+              <a:r>
+                <a:rPr lang="ko-KR" altLang="en-US" sz="2000" kern="0" dirty="0" smtClean="0">
+                  <a:solidFill>
+                    <a:srgbClr val="000000"/>
+                  </a:solidFill>
+                  <a:latin typeface="맑은 고딕" panose="020B0503020000020004" pitchFamily="50" charset="-127"/>
+                  <a:ea typeface="맑은 고딕" panose="020B0503020000020004" pitchFamily="50" charset="-127"/>
+                </a:rPr>
+                <a:t>아두이노 작품 </a:t>
+              </a:r>
+              <a:r>
+                <a:rPr lang="ko-KR" altLang="en-US" sz="2000" kern="0" dirty="0" smtClean="0">
+                  <a:solidFill>
+                    <a:srgbClr val="000000"/>
+                  </a:solidFill>
+                  <a:latin typeface="맑은 고딕" panose="020B0503020000020004" pitchFamily="50" charset="-127"/>
+                  <a:ea typeface="맑은 고딕" panose="020B0503020000020004" pitchFamily="50" charset="-127"/>
+                </a:rPr>
+                <a:t>예시</a:t>
+              </a:r>
+              <a:endParaRPr lang="ko-KR" altLang="en-US" sz="2000" kern="0" dirty="0">
                 <a:solidFill>
                   <a:srgbClr val="000000"/>
                 </a:solidFill>
                 <a:latin typeface="맑은 고딕" panose="020B0503020000020004" pitchFamily="50" charset="-127"/>
                 <a:ea typeface="맑은 고딕" panose="020B0503020000020004" pitchFamily="50" charset="-127"/>
-              </a:rPr>
-              <a:t>. </a:t>
-            </a:r>
-            <a:r>
-              <a:rPr lang="ko-KR" altLang="en-US" sz="2400" kern="0" dirty="0" smtClean="0">
+              </a:endParaRPr>
+            </a:p>
+          </p:txBody>
+        </p:sp>
+      </p:grpSp>
+      <p:grpSp>
+        <p:nvGrpSpPr>
+          <p:cNvPr id="10" name="Group 9"/>
+          <p:cNvGrpSpPr/>
+          <p:nvPr/>
+        </p:nvGrpSpPr>
+        <p:grpSpPr>
+          <a:xfrm>
+            <a:off x="0" y="2761870"/>
+            <a:ext cx="3412570" cy="1263415"/>
+            <a:chOff x="0" y="2547983"/>
+            <a:chExt cx="3412570" cy="1263415"/>
+          </a:xfrm>
+        </p:grpSpPr>
+        <p:sp>
+          <p:nvSpPr>
+            <p:cNvPr id="6" name="TextBox 5"/>
+            <p:cNvSpPr txBox="1"/>
+            <p:nvPr/>
+          </p:nvSpPr>
+          <p:spPr bwMode="auto">
+            <a:xfrm>
+              <a:off x="451503" y="2998677"/>
+              <a:ext cx="2419252" cy="400110"/>
+            </a:xfrm>
+            <a:prstGeom prst="rect">
+              <a:avLst/>
+            </a:prstGeom>
+            <a:noFill/>
+            <a:ln w="9525">
+              <a:noFill/>
+              <a:miter lim="800000"/>
+              <a:headEnd/>
+              <a:tailEnd/>
+            </a:ln>
+          </p:spPr>
+          <p:txBody>
+            <a:bodyPr vert="horz" wrap="none" lIns="91440" tIns="45720" rIns="91440" bIns="45720" numCol="1" rtlCol="0" anchor="t" anchorCtr="0" compatLnSpc="1">
+              <a:prstTxWarp prst="textNoShape">
+                <a:avLst/>
+              </a:prstTxWarp>
+              <a:spAutoFit/>
+            </a:bodyPr>
+            <a:lstStyle/>
+            <a:p>
+              <a:pPr marL="0" algn="l">
+                <a:spcBef>
+                  <a:spcPct val="20000"/>
+                </a:spcBef>
+                <a:buClr>
+                  <a:srgbClr val="9999CC"/>
+                </a:buClr>
+                <a:buSzPct val="80000"/>
+              </a:pPr>
+              <a:r>
+                <a:rPr lang="en-US" altLang="ko-KR" sz="2000" kern="0" dirty="0">
+                  <a:solidFill>
+                    <a:srgbClr val="000000"/>
+                  </a:solidFill>
+                  <a:latin typeface="맑은 고딕" panose="020B0503020000020004" pitchFamily="50" charset="-127"/>
+                  <a:ea typeface="맑은 고딕" panose="020B0503020000020004" pitchFamily="50" charset="-127"/>
+                </a:rPr>
+                <a:t>3</a:t>
+              </a:r>
+              <a:r>
+                <a:rPr lang="en-US" altLang="ko-KR" sz="2000" kern="0" dirty="0" smtClean="0">
+                  <a:solidFill>
+                    <a:srgbClr val="000000"/>
+                  </a:solidFill>
+                  <a:latin typeface="맑은 고딕" panose="020B0503020000020004" pitchFamily="50" charset="-127"/>
+                  <a:ea typeface="맑은 고딕" panose="020B0503020000020004" pitchFamily="50" charset="-127"/>
+                </a:rPr>
+                <a:t>.1 </a:t>
+              </a:r>
+              <a:r>
+                <a:rPr lang="en-US" altLang="ko-KR" sz="2000" kern="0" dirty="0">
+                  <a:solidFill>
+                    <a:srgbClr val="000000"/>
+                  </a:solidFill>
+                  <a:latin typeface="맑은 고딕" panose="020B0503020000020004" pitchFamily="50" charset="-127"/>
+                  <a:ea typeface="맑은 고딕" panose="020B0503020000020004" pitchFamily="50" charset="-127"/>
+                </a:rPr>
+                <a:t>PWM</a:t>
+              </a:r>
+              <a:r>
+                <a:rPr lang="ko-KR" altLang="en-US" sz="2000" kern="0" dirty="0">
+                  <a:solidFill>
+                    <a:srgbClr val="000000"/>
+                  </a:solidFill>
+                  <a:latin typeface="맑은 고딕" panose="020B0503020000020004" pitchFamily="50" charset="-127"/>
+                  <a:ea typeface="맑은 고딕" panose="020B0503020000020004" pitchFamily="50" charset="-127"/>
+                </a:rPr>
+                <a:t>으로 제어</a:t>
+              </a:r>
+              <a:endParaRPr lang="ko-KR" altLang="en-US" sz="2000" kern="0" dirty="0" smtClean="0">
                 <a:solidFill>
                   <a:srgbClr val="000000"/>
                 </a:solidFill>
                 <a:latin typeface="맑은 고딕" panose="020B0503020000020004" pitchFamily="50" charset="-127"/>
                 <a:ea typeface="맑은 고딕" panose="020B0503020000020004" pitchFamily="50" charset="-127"/>
-              </a:rPr>
-              <a:t>지금까지 배운 걸로 무엇을 할 수 있을까</a:t>
-            </a:r>
-            <a:r>
-              <a:rPr lang="en-US" altLang="ko-KR" sz="2400" kern="0" dirty="0" smtClean="0">
+              </a:endParaRPr>
+            </a:p>
+          </p:txBody>
+        </p:sp>
+        <p:sp>
+          <p:nvSpPr>
+            <p:cNvPr id="13" name="TextBox 12"/>
+            <p:cNvSpPr txBox="1"/>
+            <p:nvPr/>
+          </p:nvSpPr>
+          <p:spPr bwMode="auto">
+            <a:xfrm>
+              <a:off x="0" y="2547983"/>
+              <a:ext cx="2507418" cy="461665"/>
+            </a:xfrm>
+            <a:prstGeom prst="rect">
+              <a:avLst/>
+            </a:prstGeom>
+            <a:noFill/>
+            <a:ln w="9525">
+              <a:noFill/>
+              <a:miter lim="800000"/>
+              <a:headEnd/>
+              <a:tailEnd/>
+            </a:ln>
+          </p:spPr>
+          <p:txBody>
+            <a:bodyPr vert="horz" wrap="none" lIns="91440" tIns="45720" rIns="91440" bIns="45720" numCol="1" rtlCol="0" anchor="t" anchorCtr="0" compatLnSpc="1">
+              <a:prstTxWarp prst="textNoShape">
+                <a:avLst/>
+              </a:prstTxWarp>
+              <a:spAutoFit/>
+            </a:bodyPr>
+            <a:lstStyle/>
+            <a:p>
+              <a:pPr marL="0" algn="l">
+                <a:spcBef>
+                  <a:spcPct val="20000"/>
+                </a:spcBef>
+                <a:buClr>
+                  <a:srgbClr val="9999CC"/>
+                </a:buClr>
+                <a:buSzPct val="80000"/>
+              </a:pPr>
+              <a:r>
+                <a:rPr lang="en-US" altLang="ko-KR" sz="2400" kern="0" dirty="0">
+                  <a:solidFill>
+                    <a:srgbClr val="000000"/>
+                  </a:solidFill>
+                  <a:latin typeface="맑은 고딕" panose="020B0503020000020004" pitchFamily="50" charset="-127"/>
+                  <a:ea typeface="맑은 고딕" panose="020B0503020000020004" pitchFamily="50" charset="-127"/>
+                </a:rPr>
+                <a:t>3</a:t>
+              </a:r>
+              <a:r>
+                <a:rPr lang="en-US" altLang="ko-KR" sz="2400" kern="0" dirty="0" smtClean="0">
+                  <a:solidFill>
+                    <a:srgbClr val="000000"/>
+                  </a:solidFill>
+                  <a:latin typeface="맑은 고딕" panose="020B0503020000020004" pitchFamily="50" charset="-127"/>
+                  <a:ea typeface="맑은 고딕" panose="020B0503020000020004" pitchFamily="50" charset="-127"/>
+                </a:rPr>
+                <a:t>. </a:t>
+              </a:r>
+              <a:r>
+                <a:rPr lang="ko-KR" altLang="en-US" sz="2400" kern="0" dirty="0" smtClean="0">
+                  <a:solidFill>
+                    <a:srgbClr val="000000"/>
+                  </a:solidFill>
+                  <a:latin typeface="맑은 고딕" panose="020B0503020000020004" pitchFamily="50" charset="-127"/>
+                  <a:ea typeface="맑은 고딕" panose="020B0503020000020004" pitchFamily="50" charset="-127"/>
+                </a:rPr>
+                <a:t>서보모터 제어</a:t>
+              </a:r>
+              <a:endParaRPr lang="ko-KR" altLang="en-US" sz="2400" kern="0" dirty="0">
                 <a:solidFill>
                   <a:srgbClr val="000000"/>
                 </a:solidFill>
                 <a:latin typeface="맑은 고딕" panose="020B0503020000020004" pitchFamily="50" charset="-127"/>
                 <a:ea typeface="맑은 고딕" panose="020B0503020000020004" pitchFamily="50" charset="-127"/>
-              </a:rPr>
-              <a:t>?</a:t>
-            </a:r>
-            <a:endParaRPr lang="ko-KR" altLang="en-US" sz="2400" kern="0" dirty="0">
-              <a:solidFill>
-                <a:srgbClr val="000000"/>
-              </a:solidFill>
-              <a:latin typeface="맑은 고딕" panose="020B0503020000020004" pitchFamily="50" charset="-127"/>
-              <a:ea typeface="맑은 고딕" panose="020B0503020000020004" pitchFamily="50" charset="-127"/>
-            </a:endParaRPr>
-          </a:p>
-        </p:txBody>
-      </p:sp>
-      <p:sp>
-        <p:nvSpPr>
-          <p:cNvPr id="19" name="TextBox 18"/>
-          <p:cNvSpPr txBox="1"/>
+              </a:endParaRPr>
+            </a:p>
+          </p:txBody>
+        </p:sp>
+        <p:sp>
+          <p:nvSpPr>
+            <p:cNvPr id="25" name="TextBox 24"/>
+            <p:cNvSpPr txBox="1"/>
+            <p:nvPr/>
+          </p:nvSpPr>
+          <p:spPr bwMode="auto">
+            <a:xfrm>
+              <a:off x="451503" y="3411288"/>
+              <a:ext cx="2961067" cy="400110"/>
+            </a:xfrm>
+            <a:prstGeom prst="rect">
+              <a:avLst/>
+            </a:prstGeom>
+            <a:noFill/>
+            <a:ln w="9525">
+              <a:noFill/>
+              <a:miter lim="800000"/>
+              <a:headEnd/>
+              <a:tailEnd/>
+            </a:ln>
+          </p:spPr>
+          <p:txBody>
+            <a:bodyPr vert="horz" wrap="none" lIns="91440" tIns="45720" rIns="91440" bIns="45720" numCol="1" rtlCol="0" anchor="t" anchorCtr="0" compatLnSpc="1">
+              <a:prstTxWarp prst="textNoShape">
+                <a:avLst/>
+              </a:prstTxWarp>
+              <a:spAutoFit/>
+            </a:bodyPr>
+            <a:lstStyle/>
+            <a:p>
+              <a:pPr marL="0" algn="l">
+                <a:spcBef>
+                  <a:spcPct val="20000"/>
+                </a:spcBef>
+                <a:buClr>
+                  <a:srgbClr val="9999CC"/>
+                </a:buClr>
+                <a:buSzPct val="80000"/>
+              </a:pPr>
+              <a:r>
+                <a:rPr lang="en-US" altLang="ko-KR" sz="2000" kern="0" dirty="0">
+                  <a:solidFill>
+                    <a:srgbClr val="000000"/>
+                  </a:solidFill>
+                  <a:latin typeface="맑은 고딕" panose="020B0503020000020004" pitchFamily="50" charset="-127"/>
+                  <a:ea typeface="맑은 고딕" panose="020B0503020000020004" pitchFamily="50" charset="-127"/>
+                </a:rPr>
+                <a:t>3</a:t>
+              </a:r>
+              <a:r>
+                <a:rPr lang="en-US" altLang="ko-KR" sz="2000" kern="0" dirty="0" smtClean="0">
+                  <a:solidFill>
+                    <a:srgbClr val="000000"/>
+                  </a:solidFill>
+                  <a:latin typeface="맑은 고딕" panose="020B0503020000020004" pitchFamily="50" charset="-127"/>
+                  <a:ea typeface="맑은 고딕" panose="020B0503020000020004" pitchFamily="50" charset="-127"/>
+                </a:rPr>
+                <a:t>.2 </a:t>
+              </a:r>
+              <a:r>
+                <a:rPr lang="ko-KR" altLang="en-US" sz="2000" kern="0" dirty="0" smtClean="0">
+                  <a:solidFill>
+                    <a:srgbClr val="000000"/>
+                  </a:solidFill>
+                  <a:latin typeface="맑은 고딕" panose="020B0503020000020004" pitchFamily="50" charset="-127"/>
+                  <a:ea typeface="맑은 고딕" panose="020B0503020000020004" pitchFamily="50" charset="-127"/>
+                </a:rPr>
+                <a:t>자율 탐사 로봇 원리</a:t>
+              </a:r>
+            </a:p>
+          </p:txBody>
+        </p:sp>
+      </p:grpSp>
+      <p:grpSp>
+        <p:nvGrpSpPr>
+          <p:cNvPr id="12" name="Group 11"/>
+          <p:cNvGrpSpPr/>
           <p:nvPr/>
-        </p:nvSpPr>
-        <p:spPr bwMode="auto">
+        </p:nvGrpSpPr>
+        <p:grpSpPr>
           <a:xfrm>
-            <a:off x="451503" y="3756512"/>
-            <a:ext cx="2871299" cy="400110"/>
+            <a:off x="0" y="5415555"/>
+            <a:ext cx="3412570" cy="871300"/>
+            <a:chOff x="0" y="5294684"/>
+            <a:chExt cx="3412570" cy="871300"/>
           </a:xfrm>
-          <a:prstGeom prst="rect">
-            <a:avLst/>
-          </a:prstGeom>
-          <a:noFill/>
-          <a:ln w="9525">
+        </p:grpSpPr>
+        <p:sp>
+          <p:nvSpPr>
+            <p:cNvPr id="20" name="TextBox 19"/>
+            <p:cNvSpPr txBox="1"/>
+            <p:nvPr/>
+          </p:nvSpPr>
+          <p:spPr bwMode="auto">
+            <a:xfrm>
+              <a:off x="0" y="5294684"/>
+              <a:ext cx="3409908" cy="461665"/>
+            </a:xfrm>
+            <a:prstGeom prst="rect">
+              <a:avLst/>
+            </a:prstGeom>
             <a:noFill/>
-            <a:miter lim="800000"/>
-            <a:headEnd/>
-            <a:tailEnd/>
-          </a:ln>
-        </p:spPr>
-        <p:txBody>
-          <a:bodyPr vert="horz" wrap="none" lIns="91440" tIns="45720" rIns="91440" bIns="45720" numCol="1" rtlCol="0" anchor="t" anchorCtr="0" compatLnSpc="1">
-            <a:prstTxWarp prst="textNoShape">
-              <a:avLst/>
-            </a:prstTxWarp>
-            <a:spAutoFit/>
-          </a:bodyPr>
-          <a:lstStyle/>
-          <a:p>
-            <a:pPr algn="l">
-              <a:spcBef>
-                <a:spcPct val="20000"/>
-              </a:spcBef>
-              <a:buClr>
-                <a:srgbClr val="9999CC"/>
-              </a:buClr>
-              <a:buSzPct val="80000"/>
-            </a:pPr>
-            <a:r>
-              <a:rPr lang="en-US" altLang="ko-KR" sz="2000" kern="0" dirty="0">
+            <a:ln w="9525">
+              <a:noFill/>
+              <a:miter lim="800000"/>
+              <a:headEnd/>
+              <a:tailEnd/>
+            </a:ln>
+          </p:spPr>
+          <p:txBody>
+            <a:bodyPr vert="horz" wrap="none" lIns="91440" tIns="45720" rIns="91440" bIns="45720" numCol="1" rtlCol="0" anchor="t" anchorCtr="0" compatLnSpc="1">
+              <a:prstTxWarp prst="textNoShape">
+                <a:avLst/>
+              </a:prstTxWarp>
+              <a:spAutoFit/>
+            </a:bodyPr>
+            <a:lstStyle/>
+            <a:p>
+              <a:pPr marL="0" algn="l">
+                <a:spcBef>
+                  <a:spcPct val="20000"/>
+                </a:spcBef>
+                <a:buClr>
+                  <a:srgbClr val="9999CC"/>
+                </a:buClr>
+                <a:buSzPct val="80000"/>
+              </a:pPr>
+              <a:r>
+                <a:rPr lang="en-US" altLang="ko-KR" sz="2400" kern="0" dirty="0" smtClean="0">
+                  <a:solidFill>
+                    <a:srgbClr val="000000"/>
+                  </a:solidFill>
+                  <a:latin typeface="맑은 고딕" panose="020B0503020000020004" pitchFamily="50" charset="-127"/>
+                  <a:ea typeface="맑은 고딕" panose="020B0503020000020004" pitchFamily="50" charset="-127"/>
+                </a:rPr>
+                <a:t>5. </a:t>
+              </a:r>
+              <a:r>
+                <a:rPr lang="ko-KR" altLang="en-US" sz="2400" kern="0" dirty="0">
+                  <a:solidFill>
+                    <a:srgbClr val="000000"/>
+                  </a:solidFill>
+                  <a:latin typeface="맑은 고딕" panose="020B0503020000020004" pitchFamily="50" charset="-127"/>
+                  <a:ea typeface="맑은 고딕" panose="020B0503020000020004" pitchFamily="50" charset="-127"/>
+                </a:rPr>
+                <a:t>로봇제작 실습 </a:t>
+              </a:r>
+              <a:r>
+                <a:rPr lang="en-US" altLang="ko-KR" sz="2400" kern="0" dirty="0" smtClean="0">
+                  <a:solidFill>
+                    <a:srgbClr val="000000"/>
+                  </a:solidFill>
+                  <a:latin typeface="맑은 고딕" panose="020B0503020000020004" pitchFamily="50" charset="-127"/>
+                  <a:ea typeface="맑은 고딕" panose="020B0503020000020004" pitchFamily="50" charset="-127"/>
+                </a:rPr>
+                <a:t>4</a:t>
+              </a:r>
+              <a:r>
+                <a:rPr lang="ko-KR" altLang="en-US" sz="2400" kern="0" dirty="0" smtClean="0">
+                  <a:solidFill>
+                    <a:srgbClr val="000000"/>
+                  </a:solidFill>
+                  <a:latin typeface="맑은 고딕" panose="020B0503020000020004" pitchFamily="50" charset="-127"/>
+                  <a:ea typeface="맑은 고딕" panose="020B0503020000020004" pitchFamily="50" charset="-127"/>
+                </a:rPr>
+                <a:t>주차</a:t>
+              </a:r>
+              <a:endParaRPr lang="ko-KR" altLang="en-US" sz="2400" kern="0" dirty="0">
                 <a:solidFill>
                   <a:srgbClr val="000000"/>
                 </a:solidFill>
                 <a:latin typeface="맑은 고딕" panose="020B0503020000020004" pitchFamily="50" charset="-127"/>
                 <a:ea typeface="맑은 고딕" panose="020B0503020000020004" pitchFamily="50" charset="-127"/>
-              </a:rPr>
-              <a:t>3</a:t>
-            </a:r>
-            <a:r>
-              <a:rPr lang="en-US" altLang="ko-KR" sz="2000" kern="0" dirty="0" smtClean="0">
+              </a:endParaRPr>
+            </a:p>
+          </p:txBody>
+        </p:sp>
+        <p:sp>
+          <p:nvSpPr>
+            <p:cNvPr id="14" name="TextBox 13"/>
+            <p:cNvSpPr txBox="1"/>
+            <p:nvPr/>
+          </p:nvSpPr>
+          <p:spPr bwMode="auto">
+            <a:xfrm>
+              <a:off x="451503" y="5765874"/>
+              <a:ext cx="2961067" cy="400110"/>
+            </a:xfrm>
+            <a:prstGeom prst="rect">
+              <a:avLst/>
+            </a:prstGeom>
+            <a:noFill/>
+            <a:ln w="9525">
+              <a:noFill/>
+              <a:miter lim="800000"/>
+              <a:headEnd/>
+              <a:tailEnd/>
+            </a:ln>
+          </p:spPr>
+          <p:txBody>
+            <a:bodyPr vert="horz" wrap="none" lIns="91440" tIns="45720" rIns="91440" bIns="45720" numCol="1" rtlCol="0" anchor="t" anchorCtr="0" compatLnSpc="1">
+              <a:prstTxWarp prst="textNoShape">
+                <a:avLst/>
+              </a:prstTxWarp>
+              <a:spAutoFit/>
+            </a:bodyPr>
+            <a:lstStyle/>
+            <a:p>
+              <a:pPr algn="l">
+                <a:spcBef>
+                  <a:spcPct val="20000"/>
+                </a:spcBef>
+                <a:buClr>
+                  <a:srgbClr val="9999CC"/>
+                </a:buClr>
+                <a:buSzPct val="80000"/>
+              </a:pPr>
+              <a:r>
+                <a:rPr lang="en-US" altLang="ko-KR" sz="2000" kern="0" dirty="0">
+                  <a:solidFill>
+                    <a:srgbClr val="000000"/>
+                  </a:solidFill>
+                  <a:latin typeface="맑은 고딕" panose="020B0503020000020004" pitchFamily="50" charset="-127"/>
+                  <a:ea typeface="맑은 고딕" panose="020B0503020000020004" pitchFamily="50" charset="-127"/>
+                </a:rPr>
+                <a:t>5</a:t>
+              </a:r>
+              <a:r>
+                <a:rPr lang="en-US" altLang="ko-KR" sz="2000" kern="0" dirty="0" smtClean="0">
+                  <a:solidFill>
+                    <a:srgbClr val="000000"/>
+                  </a:solidFill>
+                  <a:latin typeface="맑은 고딕" panose="020B0503020000020004" pitchFamily="50" charset="-127"/>
+                  <a:ea typeface="맑은 고딕" panose="020B0503020000020004" pitchFamily="50" charset="-127"/>
+                </a:rPr>
+                <a:t>.1 </a:t>
+              </a:r>
+              <a:r>
+                <a:rPr lang="ko-KR" altLang="en-US" sz="2000" kern="0" dirty="0" smtClean="0">
+                  <a:solidFill>
+                    <a:srgbClr val="000000"/>
+                  </a:solidFill>
+                  <a:latin typeface="맑은 고딕" panose="020B0503020000020004" pitchFamily="50" charset="-127"/>
+                  <a:ea typeface="맑은 고딕" panose="020B0503020000020004" pitchFamily="50" charset="-127"/>
+                </a:rPr>
+                <a:t>자율 탐사 로봇 제작</a:t>
+              </a:r>
+              <a:endParaRPr lang="ko-KR" altLang="en-US" sz="2000" kern="0" dirty="0">
                 <a:solidFill>
                   <a:srgbClr val="000000"/>
                 </a:solidFill>
                 <a:latin typeface="맑은 고딕" panose="020B0503020000020004" pitchFamily="50" charset="-127"/>
                 <a:ea typeface="맑은 고딕" panose="020B0503020000020004" pitchFamily="50" charset="-127"/>
-              </a:rPr>
-              <a:t>.1 </a:t>
-            </a:r>
-            <a:r>
-              <a:rPr lang="ko-KR" altLang="en-US" sz="2000" kern="0" dirty="0" smtClean="0">
+              </a:endParaRPr>
+            </a:p>
+          </p:txBody>
+        </p:sp>
+      </p:grpSp>
+      <p:grpSp>
+        <p:nvGrpSpPr>
+          <p:cNvPr id="8" name="Group 7"/>
+          <p:cNvGrpSpPr/>
+          <p:nvPr/>
+        </p:nvGrpSpPr>
+        <p:grpSpPr>
+          <a:xfrm>
+            <a:off x="0" y="495116"/>
+            <a:ext cx="2976553" cy="886701"/>
+            <a:chOff x="-73937" y="484900"/>
+            <a:chExt cx="2976553" cy="886701"/>
+          </a:xfrm>
+        </p:grpSpPr>
+        <p:sp>
+          <p:nvSpPr>
+            <p:cNvPr id="16" name="TextBox 15"/>
+            <p:cNvSpPr txBox="1"/>
+            <p:nvPr/>
+          </p:nvSpPr>
+          <p:spPr bwMode="auto">
+            <a:xfrm>
+              <a:off x="-73937" y="484900"/>
+              <a:ext cx="2199641" cy="461665"/>
+            </a:xfrm>
+            <a:prstGeom prst="rect">
+              <a:avLst/>
+            </a:prstGeom>
+            <a:noFill/>
+            <a:ln w="9525">
+              <a:noFill/>
+              <a:miter lim="800000"/>
+              <a:headEnd/>
+              <a:tailEnd/>
+            </a:ln>
+          </p:spPr>
+          <p:txBody>
+            <a:bodyPr vert="horz" wrap="none" lIns="91440" tIns="45720" rIns="91440" bIns="45720" numCol="1" rtlCol="0" anchor="t" anchorCtr="0" compatLnSpc="1">
+              <a:prstTxWarp prst="textNoShape">
+                <a:avLst/>
+              </a:prstTxWarp>
+              <a:spAutoFit/>
+            </a:bodyPr>
+            <a:lstStyle/>
+            <a:p>
+              <a:pPr marL="0" algn="l">
+                <a:spcBef>
+                  <a:spcPct val="20000"/>
+                </a:spcBef>
+                <a:buClr>
+                  <a:srgbClr val="9999CC"/>
+                </a:buClr>
+                <a:buSzPct val="80000"/>
+              </a:pPr>
+              <a:r>
+                <a:rPr lang="en-US" altLang="ko-KR" sz="2400" kern="0" dirty="0" smtClean="0">
+                  <a:solidFill>
+                    <a:srgbClr val="000000"/>
+                  </a:solidFill>
+                  <a:latin typeface="맑은 고딕" panose="020B0503020000020004" pitchFamily="50" charset="-127"/>
+                  <a:ea typeface="맑은 고딕" panose="020B0503020000020004" pitchFamily="50" charset="-127"/>
+                </a:rPr>
+                <a:t>1. </a:t>
+              </a:r>
+              <a:r>
+                <a:rPr lang="ko-KR" altLang="en-US" sz="2400" kern="0" dirty="0" smtClean="0">
+                  <a:solidFill>
+                    <a:srgbClr val="000000"/>
+                  </a:solidFill>
+                  <a:latin typeface="맑은 고딕" panose="020B0503020000020004" pitchFamily="50" charset="-127"/>
+                  <a:ea typeface="맑은 고딕" panose="020B0503020000020004" pitchFamily="50" charset="-127"/>
+                </a:rPr>
+                <a:t>로봇의 세계</a:t>
+              </a:r>
+              <a:endParaRPr lang="ko-KR" altLang="en-US" sz="2400" kern="0" dirty="0" smtClean="0">
                 <a:solidFill>
                   <a:srgbClr val="000000"/>
                 </a:solidFill>
                 <a:latin typeface="맑은 고딕" panose="020B0503020000020004" pitchFamily="50" charset="-127"/>
                 <a:ea typeface="맑은 고딕" panose="020B0503020000020004" pitchFamily="50" charset="-127"/>
-              </a:rPr>
-              <a:t>아두이노 작품 예시</a:t>
-            </a:r>
-            <a:endParaRPr lang="ko-KR" altLang="en-US" sz="2000" kern="0" dirty="0">
-              <a:solidFill>
-                <a:srgbClr val="000000"/>
-              </a:solidFill>
-              <a:latin typeface="맑은 고딕" panose="020B0503020000020004" pitchFamily="50" charset="-127"/>
-              <a:ea typeface="맑은 고딕" panose="020B0503020000020004" pitchFamily="50" charset="-127"/>
-            </a:endParaRPr>
-          </a:p>
-        </p:txBody>
-      </p:sp>
-      <p:sp>
-        <p:nvSpPr>
-          <p:cNvPr id="20" name="TextBox 19"/>
-          <p:cNvSpPr txBox="1"/>
-          <p:nvPr/>
-        </p:nvSpPr>
-        <p:spPr bwMode="auto">
-          <a:xfrm>
-            <a:off x="0" y="4443658"/>
-            <a:ext cx="3409908" cy="461665"/>
-          </a:xfrm>
-          <a:prstGeom prst="rect">
-            <a:avLst/>
-          </a:prstGeom>
-          <a:noFill/>
-          <a:ln w="9525">
+              </a:endParaRPr>
+            </a:p>
+          </p:txBody>
+        </p:sp>
+        <p:sp>
+          <p:nvSpPr>
+            <p:cNvPr id="17" name="TextBox 16"/>
+            <p:cNvSpPr txBox="1"/>
+            <p:nvPr/>
+          </p:nvSpPr>
+          <p:spPr bwMode="auto">
+            <a:xfrm>
+              <a:off x="377566" y="971491"/>
+              <a:ext cx="2525050" cy="400110"/>
+            </a:xfrm>
+            <a:prstGeom prst="rect">
+              <a:avLst/>
+            </a:prstGeom>
             <a:noFill/>
-            <a:miter lim="800000"/>
-            <a:headEnd/>
-            <a:tailEnd/>
-          </a:ln>
-        </p:spPr>
-        <p:txBody>
-          <a:bodyPr vert="horz" wrap="none" lIns="91440" tIns="45720" rIns="91440" bIns="45720" numCol="1" rtlCol="0" anchor="t" anchorCtr="0" compatLnSpc="1">
-            <a:prstTxWarp prst="textNoShape">
-              <a:avLst/>
-            </a:prstTxWarp>
-            <a:spAutoFit/>
-          </a:bodyPr>
-          <a:lstStyle/>
-          <a:p>
-            <a:pPr marL="0" algn="l">
-              <a:spcBef>
-                <a:spcPct val="20000"/>
-              </a:spcBef>
-              <a:buClr>
-                <a:srgbClr val="9999CC"/>
-              </a:buClr>
-              <a:buSzPct val="80000"/>
-            </a:pPr>
-            <a:r>
-              <a:rPr lang="en-US" altLang="ko-KR" sz="2400" kern="0" dirty="0">
+            <a:ln w="9525">
+              <a:noFill/>
+              <a:miter lim="800000"/>
+              <a:headEnd/>
+              <a:tailEnd/>
+            </a:ln>
+          </p:spPr>
+          <p:txBody>
+            <a:bodyPr vert="horz" wrap="none" lIns="91440" tIns="45720" rIns="91440" bIns="45720" numCol="1" rtlCol="0" anchor="t" anchorCtr="0" compatLnSpc="1">
+              <a:prstTxWarp prst="textNoShape">
+                <a:avLst/>
+              </a:prstTxWarp>
+              <a:spAutoFit/>
+            </a:bodyPr>
+            <a:lstStyle/>
+            <a:p>
+              <a:pPr marL="0" algn="l">
+                <a:spcBef>
+                  <a:spcPct val="20000"/>
+                </a:spcBef>
+                <a:buClr>
+                  <a:srgbClr val="9999CC"/>
+                </a:buClr>
+                <a:buSzPct val="80000"/>
+              </a:pPr>
+              <a:r>
+                <a:rPr lang="en-US" altLang="ko-KR" sz="2000" kern="0" dirty="0" smtClean="0">
+                  <a:solidFill>
+                    <a:srgbClr val="000000"/>
+                  </a:solidFill>
+                  <a:latin typeface="맑은 고딕" panose="020B0503020000020004" pitchFamily="50" charset="-127"/>
+                  <a:ea typeface="맑은 고딕" panose="020B0503020000020004" pitchFamily="50" charset="-127"/>
+                </a:rPr>
+                <a:t>1.1 </a:t>
+              </a:r>
+              <a:r>
+                <a:rPr lang="ko-KR" altLang="en-US" sz="2000" kern="0" dirty="0" smtClean="0">
+                  <a:solidFill>
+                    <a:srgbClr val="000000"/>
+                  </a:solidFill>
+                  <a:latin typeface="맑은 고딕" panose="020B0503020000020004" pitchFamily="50" charset="-127"/>
+                  <a:ea typeface="맑은 고딕" panose="020B0503020000020004" pitchFamily="50" charset="-127"/>
+                </a:rPr>
+                <a:t>아름다운 로봇들</a:t>
+              </a:r>
+              <a:endParaRPr lang="ko-KR" altLang="en-US" sz="2000" kern="0" dirty="0" smtClean="0">
                 <a:solidFill>
                   <a:srgbClr val="000000"/>
                 </a:solidFill>
                 <a:latin typeface="맑은 고딕" panose="020B0503020000020004" pitchFamily="50" charset="-127"/>
                 <a:ea typeface="맑은 고딕" panose="020B0503020000020004" pitchFamily="50" charset="-127"/>
-              </a:rPr>
-              <a:t>4</a:t>
-            </a:r>
-            <a:r>
-              <a:rPr lang="en-US" altLang="ko-KR" sz="2400" kern="0" dirty="0" smtClean="0">
-                <a:solidFill>
-                  <a:srgbClr val="000000"/>
-                </a:solidFill>
-                <a:latin typeface="맑은 고딕" panose="020B0503020000020004" pitchFamily="50" charset="-127"/>
-                <a:ea typeface="맑은 고딕" panose="020B0503020000020004" pitchFamily="50" charset="-127"/>
-              </a:rPr>
-              <a:t>. </a:t>
-            </a:r>
-            <a:r>
-              <a:rPr lang="ko-KR" altLang="en-US" sz="2400" kern="0" dirty="0">
-                <a:solidFill>
-                  <a:srgbClr val="000000"/>
-                </a:solidFill>
-                <a:latin typeface="맑은 고딕" panose="020B0503020000020004" pitchFamily="50" charset="-127"/>
-                <a:ea typeface="맑은 고딕" panose="020B0503020000020004" pitchFamily="50" charset="-127"/>
-              </a:rPr>
-              <a:t>로봇제작 실습 </a:t>
-            </a:r>
-            <a:r>
-              <a:rPr lang="en-US" altLang="ko-KR" sz="2400" kern="0" dirty="0" smtClean="0">
-                <a:solidFill>
-                  <a:srgbClr val="000000"/>
-                </a:solidFill>
-                <a:latin typeface="맑은 고딕" panose="020B0503020000020004" pitchFamily="50" charset="-127"/>
-                <a:ea typeface="맑은 고딕" panose="020B0503020000020004" pitchFamily="50" charset="-127"/>
-              </a:rPr>
-              <a:t>4</a:t>
-            </a:r>
-            <a:r>
-              <a:rPr lang="ko-KR" altLang="en-US" sz="2400" kern="0" dirty="0" smtClean="0">
-                <a:solidFill>
-                  <a:srgbClr val="000000"/>
-                </a:solidFill>
-                <a:latin typeface="맑은 고딕" panose="020B0503020000020004" pitchFamily="50" charset="-127"/>
-                <a:ea typeface="맑은 고딕" panose="020B0503020000020004" pitchFamily="50" charset="-127"/>
-              </a:rPr>
-              <a:t>주차</a:t>
-            </a:r>
-            <a:endParaRPr lang="ko-KR" altLang="en-US" sz="2400" kern="0" dirty="0">
-              <a:solidFill>
-                <a:srgbClr val="000000"/>
-              </a:solidFill>
-              <a:latin typeface="맑은 고딕" panose="020B0503020000020004" pitchFamily="50" charset="-127"/>
-              <a:ea typeface="맑은 고딕" panose="020B0503020000020004" pitchFamily="50" charset="-127"/>
-            </a:endParaRPr>
-          </a:p>
-        </p:txBody>
-      </p:sp>
-      <p:sp>
-        <p:nvSpPr>
-          <p:cNvPr id="25" name="TextBox 24"/>
-          <p:cNvSpPr txBox="1"/>
-          <p:nvPr/>
-        </p:nvSpPr>
-        <p:spPr bwMode="auto">
-          <a:xfrm>
-            <a:off x="451503" y="2560262"/>
-            <a:ext cx="2961067" cy="400110"/>
-          </a:xfrm>
-          <a:prstGeom prst="rect">
-            <a:avLst/>
-          </a:prstGeom>
-          <a:noFill/>
-          <a:ln w="9525">
-            <a:noFill/>
-            <a:miter lim="800000"/>
-            <a:headEnd/>
-            <a:tailEnd/>
-          </a:ln>
-        </p:spPr>
-        <p:txBody>
-          <a:bodyPr vert="horz" wrap="none" lIns="91440" tIns="45720" rIns="91440" bIns="45720" numCol="1" rtlCol="0" anchor="t" anchorCtr="0" compatLnSpc="1">
-            <a:prstTxWarp prst="textNoShape">
-              <a:avLst/>
-            </a:prstTxWarp>
-            <a:spAutoFit/>
-          </a:bodyPr>
-          <a:lstStyle/>
-          <a:p>
-            <a:pPr marL="0" algn="l">
-              <a:spcBef>
-                <a:spcPct val="20000"/>
-              </a:spcBef>
-              <a:buClr>
-                <a:srgbClr val="9999CC"/>
-              </a:buClr>
-              <a:buSzPct val="80000"/>
-            </a:pPr>
-            <a:r>
-              <a:rPr lang="en-US" altLang="ko-KR" sz="2000" kern="0" dirty="0" smtClean="0">
-                <a:solidFill>
-                  <a:srgbClr val="000000"/>
-                </a:solidFill>
-                <a:latin typeface="맑은 고딕" panose="020B0503020000020004" pitchFamily="50" charset="-127"/>
-                <a:ea typeface="맑은 고딕" panose="020B0503020000020004" pitchFamily="50" charset="-127"/>
-              </a:rPr>
-              <a:t>2.2 </a:t>
-            </a:r>
-            <a:r>
-              <a:rPr lang="ko-KR" altLang="en-US" sz="2000" kern="0" dirty="0" smtClean="0">
-                <a:solidFill>
-                  <a:srgbClr val="000000"/>
-                </a:solidFill>
-                <a:latin typeface="맑은 고딕" panose="020B0503020000020004" pitchFamily="50" charset="-127"/>
-                <a:ea typeface="맑은 고딕" panose="020B0503020000020004" pitchFamily="50" charset="-127"/>
-              </a:rPr>
-              <a:t>자율 탐사 로봇 원리</a:t>
-            </a:r>
-          </a:p>
-        </p:txBody>
-      </p:sp>
-      <p:sp>
-        <p:nvSpPr>
-          <p:cNvPr id="14" name="TextBox 13"/>
-          <p:cNvSpPr txBox="1"/>
-          <p:nvPr/>
-        </p:nvSpPr>
-        <p:spPr bwMode="auto">
-          <a:xfrm>
-            <a:off x="451503" y="4914848"/>
-            <a:ext cx="2961067" cy="400110"/>
-          </a:xfrm>
-          <a:prstGeom prst="rect">
-            <a:avLst/>
-          </a:prstGeom>
-          <a:noFill/>
-          <a:ln w="9525">
-            <a:noFill/>
-            <a:miter lim="800000"/>
-            <a:headEnd/>
-            <a:tailEnd/>
-          </a:ln>
-        </p:spPr>
-        <p:txBody>
-          <a:bodyPr vert="horz" wrap="none" lIns="91440" tIns="45720" rIns="91440" bIns="45720" numCol="1" rtlCol="0" anchor="t" anchorCtr="0" compatLnSpc="1">
-            <a:prstTxWarp prst="textNoShape">
-              <a:avLst/>
-            </a:prstTxWarp>
-            <a:spAutoFit/>
-          </a:bodyPr>
-          <a:lstStyle/>
-          <a:p>
-            <a:pPr algn="l">
-              <a:spcBef>
-                <a:spcPct val="20000"/>
-              </a:spcBef>
-              <a:buClr>
-                <a:srgbClr val="9999CC"/>
-              </a:buClr>
-              <a:buSzPct val="80000"/>
-            </a:pPr>
-            <a:r>
-              <a:rPr lang="en-US" altLang="ko-KR" sz="2000" kern="0" dirty="0">
-                <a:solidFill>
-                  <a:srgbClr val="000000"/>
-                </a:solidFill>
-                <a:latin typeface="맑은 고딕" panose="020B0503020000020004" pitchFamily="50" charset="-127"/>
-                <a:ea typeface="맑은 고딕" panose="020B0503020000020004" pitchFamily="50" charset="-127"/>
-              </a:rPr>
-              <a:t>4</a:t>
-            </a:r>
-            <a:r>
-              <a:rPr lang="en-US" altLang="ko-KR" sz="2000" kern="0" dirty="0" smtClean="0">
-                <a:solidFill>
-                  <a:srgbClr val="000000"/>
-                </a:solidFill>
-                <a:latin typeface="맑은 고딕" panose="020B0503020000020004" pitchFamily="50" charset="-127"/>
-                <a:ea typeface="맑은 고딕" panose="020B0503020000020004" pitchFamily="50" charset="-127"/>
-              </a:rPr>
-              <a:t>.1 </a:t>
-            </a:r>
-            <a:r>
-              <a:rPr lang="ko-KR" altLang="en-US" sz="2000" kern="0" dirty="0" smtClean="0">
-                <a:solidFill>
-                  <a:srgbClr val="000000"/>
-                </a:solidFill>
-                <a:latin typeface="맑은 고딕" panose="020B0503020000020004" pitchFamily="50" charset="-127"/>
-                <a:ea typeface="맑은 고딕" panose="020B0503020000020004" pitchFamily="50" charset="-127"/>
-              </a:rPr>
-              <a:t>자율 탐사 로봇 제작</a:t>
-            </a:r>
-            <a:endParaRPr lang="ko-KR" altLang="en-US" sz="2000" kern="0" dirty="0">
-              <a:solidFill>
-                <a:srgbClr val="000000"/>
-              </a:solidFill>
-              <a:latin typeface="맑은 고딕" panose="020B0503020000020004" pitchFamily="50" charset="-127"/>
-              <a:ea typeface="맑은 고딕" panose="020B0503020000020004" pitchFamily="50" charset="-127"/>
-            </a:endParaRPr>
-          </a:p>
-        </p:txBody>
-      </p:sp>
+              </a:endParaRPr>
+            </a:p>
+          </p:txBody>
+        </p:sp>
+      </p:grpSp>
     </p:spTree>
     <p:extLst>
       <p:ext uri="{BB962C8B-B14F-4D97-AF65-F5344CB8AC3E}">
@@ -3277,16 +3527,16 @@
           <a:lstStyle/>
           <a:p>
             <a:r>
-              <a:rPr lang="en-US" dirty="0" smtClean="0"/>
+              <a:rPr lang="en-US" altLang="ko-KR" dirty="0"/>
               <a:t>Introduction to Robot Making Class</a:t>
             </a:r>
           </a:p>
           <a:p>
             <a:r>
-              <a:rPr lang="en-US" dirty="0" smtClean="0"/>
-              <a:t>week X – Fundamentals of Robot</a:t>
+              <a:rPr lang="en-US" altLang="ko-KR" dirty="0"/>
+              <a:t>week 4 – Fundamentals of Robot</a:t>
             </a:r>
-            <a:endParaRPr lang="en-US" dirty="0"/>
+            <a:endParaRPr lang="en-US" altLang="ko-KR" dirty="0"/>
           </a:p>
         </p:txBody>
       </p:sp>
